--- a/presentations/2023-12 Webinars/2023-12 Referrals and Orders.pptx
+++ b/presentations/2023-12 Webinars/2023-12 Referrals and Orders.pptx
@@ -5,10 +5,10 @@
     <p:sldMasterId id="2147483648" r:id="rId1"/>
   </p:sldMasterIdLst>
   <p:notesMasterIdLst>
-    <p:notesMasterId r:id="rId35"/>
+    <p:notesMasterId r:id="rId37"/>
   </p:notesMasterIdLst>
   <p:handoutMasterIdLst>
-    <p:handoutMasterId r:id="rId36"/>
+    <p:handoutMasterId r:id="rId38"/>
   </p:handoutMasterIdLst>
   <p:sldIdLst>
     <p:sldId id="672" r:id="rId2"/>
@@ -36,14 +36,16 @@
     <p:sldId id="289" r:id="rId24"/>
     <p:sldId id="291" r:id="rId25"/>
     <p:sldId id="292" r:id="rId26"/>
-    <p:sldId id="277" r:id="rId27"/>
-    <p:sldId id="774" r:id="rId28"/>
-    <p:sldId id="769" r:id="rId29"/>
-    <p:sldId id="770" r:id="rId30"/>
-    <p:sldId id="771" r:id="rId31"/>
-    <p:sldId id="772" r:id="rId32"/>
-    <p:sldId id="270" r:id="rId33"/>
-    <p:sldId id="288" r:id="rId34"/>
+    <p:sldId id="776" r:id="rId27"/>
+    <p:sldId id="777" r:id="rId28"/>
+    <p:sldId id="277" r:id="rId29"/>
+    <p:sldId id="774" r:id="rId30"/>
+    <p:sldId id="769" r:id="rId31"/>
+    <p:sldId id="770" r:id="rId32"/>
+    <p:sldId id="771" r:id="rId33"/>
+    <p:sldId id="772" r:id="rId34"/>
+    <p:sldId id="270" r:id="rId35"/>
+    <p:sldId id="288" r:id="rId36"/>
   </p:sldIdLst>
   <p:sldSz cx="9144000" cy="5143500" type="screen16x9"/>
   <p:notesSz cx="6858000" cy="9144000"/>
@@ -2823,7 +2825,7 @@
             <a:fld id="{1BCE7D1B-E2D6-42EC-A46F-6B8D8AB722EA}" type="datetime1">
               <a:rPr lang="en-US" altLang="en-US"/>
               <a:pPr/>
-              <a:t>12/3/2023</a:t>
+              <a:t>12/4/2023</a:t>
             </a:fld>
             <a:endParaRPr lang="en-US" altLang="en-US"/>
           </a:p>
@@ -3054,7 +3056,7 @@
             <a:fld id="{60D4D74E-7671-46E5-9A5B-14F31A4C0D2E}" type="datetime1">
               <a:rPr lang="en-US" altLang="en-US"/>
               <a:pPr/>
-              <a:t>12/3/2023</a:t>
+              <a:t>12/4/2023</a:t>
             </a:fld>
             <a:endParaRPr lang="en-US" altLang="en-US"/>
           </a:p>
@@ -13745,38 +13747,8 @@
         </p:blipFill>
         <p:spPr>
           <a:xfrm>
-            <a:off x="5206108" y="988307"/>
-            <a:ext cx="3868230" cy="3791984"/>
-          </a:xfrm>
-          <a:prstGeom prst="rect">
-            <a:avLst/>
-          </a:prstGeom>
-        </p:spPr>
-      </p:pic>
-      <p:pic>
-        <p:nvPicPr>
-          <p:cNvPr id="7" name="Picture 6">
-            <a:extLst>
-              <a:ext uri="{FF2B5EF4-FFF2-40B4-BE49-F238E27FC236}">
-                <a16:creationId xmlns:a16="http://schemas.microsoft.com/office/drawing/2014/main" id="{4A4E51D1-F0B1-EC97-BC3B-9E6FEF38A627}"/>
-              </a:ext>
-            </a:extLst>
-          </p:cNvPr>
-          <p:cNvPicPr>
-            <a:picLocks noChangeAspect="1"/>
-          </p:cNvPicPr>
-          <p:nvPr/>
-        </p:nvPicPr>
-        <p:blipFill>
-          <a:blip r:embed="rId3"/>
-          <a:stretch>
-            <a:fillRect/>
-          </a:stretch>
-        </p:blipFill>
-        <p:spPr>
-          <a:xfrm>
-            <a:off x="148145" y="1053737"/>
-            <a:ext cx="5029709" cy="3579224"/>
+            <a:off x="2729948" y="119870"/>
+            <a:ext cx="4754129" cy="4660421"/>
           </a:xfrm>
           <a:prstGeom prst="rect">
             <a:avLst/>
@@ -18904,7 +18876,7 @@
           <p:cNvPr id="2" name="Title 1">
             <a:extLst>
               <a:ext uri="{FF2B5EF4-FFF2-40B4-BE49-F238E27FC236}">
-                <a16:creationId xmlns:a16="http://schemas.microsoft.com/office/drawing/2014/main" id="{F9382A48-0E92-417D-7FED-5D433A23526C}"/>
+                <a16:creationId xmlns:a16="http://schemas.microsoft.com/office/drawing/2014/main" id="{7A4D8027-69C8-AE8E-A26B-5948BAFCBC2D}"/>
               </a:ext>
             </a:extLst>
           </p:cNvPr>
@@ -18922,7 +18894,7 @@
           <a:p>
             <a:r>
               <a:rPr lang="en-US" dirty="0"/>
-              <a:t>There are FHIR pages for this…</a:t>
+              <a:t>Combining Requests</a:t>
             </a:r>
             <a:endParaRPr lang="en-CA" dirty="0"/>
           </a:p>
@@ -18930,10 +18902,10 @@
       </p:sp>
       <p:sp>
         <p:nvSpPr>
-          <p:cNvPr id="3" name="Text Placeholder 2">
-            <a:extLst>
-              <a:ext uri="{FF2B5EF4-FFF2-40B4-BE49-F238E27FC236}">
-                <a16:creationId xmlns:a16="http://schemas.microsoft.com/office/drawing/2014/main" id="{59571550-F4C7-CE82-507A-1F78E5DC04C2}"/>
+          <p:cNvPr id="5" name="Text Placeholder 4">
+            <a:extLst>
+              <a:ext uri="{FF2B5EF4-FFF2-40B4-BE49-F238E27FC236}">
+                <a16:creationId xmlns:a16="http://schemas.microsoft.com/office/drawing/2014/main" id="{970861C7-03A5-478B-39C8-11EBF678BBF5}"/>
               </a:ext>
             </a:extLst>
           </p:cNvPr>
@@ -18950,73 +18922,130 @@
           <a:lstStyle/>
           <a:p>
             <a:r>
-              <a:rPr lang="en-CA" dirty="0">
-                <a:hlinkClick r:id="rId2"/>
-              </a:rPr>
-              <a:t>https://build.fhir.org/workflow-communications.html</a:t>
+              <a:rPr lang="en-US" dirty="0" err="1"/>
+              <a:t>Request.groupIdentifier</a:t>
+            </a:r>
+            <a:r>
+              <a:rPr lang="en-US" dirty="0"/>
+              <a:t> (aka requisition)</a:t>
+            </a:r>
+          </a:p>
+          <a:p>
+            <a:pPr lvl="1"/>
+            <a:r>
+              <a:rPr lang="en-US" dirty="0"/>
+              <a:t>“co-incident” orders</a:t>
+            </a:r>
+          </a:p>
+          <a:p>
+            <a:pPr lvl="2"/>
+            <a:r>
+              <a:rPr lang="en-US" dirty="0"/>
+              <a:t>~ same time, same ordering ‘provider’</a:t>
+            </a:r>
+          </a:p>
+          <a:p>
+            <a:pPr lvl="1"/>
+            <a:r>
+              <a:rPr lang="en-US" dirty="0"/>
+              <a:t>No interdependencies, independent status</a:t>
+            </a:r>
+          </a:p>
+          <a:p>
+            <a:r>
+              <a:rPr lang="en-US" dirty="0" err="1"/>
+              <a:t>RequestGroup</a:t>
+            </a:r>
+            <a:r>
+              <a:rPr lang="en-US" dirty="0"/>
+              <a:t>/</a:t>
+            </a:r>
+            <a:r>
+              <a:rPr lang="en-US" dirty="0" err="1"/>
+              <a:t>RequestOrchestration</a:t>
+            </a:r>
+            <a:endParaRPr lang="en-US" dirty="0"/>
+          </a:p>
+          <a:p>
+            <a:pPr lvl="1"/>
+            <a:r>
+              <a:rPr lang="en-US" dirty="0"/>
+              <a:t>Timing, occurrence dependencies</a:t>
+            </a:r>
+          </a:p>
+          <a:p>
+            <a:pPr lvl="1"/>
+            <a:r>
+              <a:rPr lang="en-US" dirty="0"/>
+              <a:t>One status for all orders</a:t>
             </a:r>
             <a:endParaRPr lang="en-CA" dirty="0"/>
           </a:p>
-          <a:p>
-            <a:pPr lvl="1"/>
-            <a:r>
-              <a:rPr lang="en-CA" dirty="0">
-                <a:hlinkClick r:id="rId3"/>
-              </a:rPr>
-              <a:t>https://build.fhir.org/workflow-ad-hoc.html</a:t>
-            </a:r>
-            <a:endParaRPr lang="en-CA" dirty="0"/>
-          </a:p>
-          <a:p>
-            <a:pPr lvl="1"/>
-            <a:r>
-              <a:rPr lang="en-CA" dirty="0">
-                <a:hlinkClick r:id="rId4"/>
-              </a:rPr>
-              <a:t>https://build.fhir.org/workflow-management.html</a:t>
-            </a:r>
-            <a:endParaRPr lang="en-CA" dirty="0"/>
-          </a:p>
-          <a:p>
-            <a:pPr lvl="1"/>
-            <a:endParaRPr lang="en-CA" dirty="0"/>
-          </a:p>
-          <a:p>
-            <a:r>
-              <a:rPr lang="en-CA" dirty="0"/>
-              <a:t>Also: https://chat.fhir.org/#narrow/stream/179196-workflow</a:t>
-            </a:r>
-          </a:p>
-          <a:p>
-            <a:r>
-              <a:rPr lang="en-CA" dirty="0"/>
-              <a:t>Or come join our calls</a:t>
-            </a:r>
-          </a:p>
-          <a:p>
-            <a:pPr lvl="1"/>
-            <a:r>
-              <a:rPr lang="en-CA" dirty="0"/>
-              <a:t>Mondays, 2 Eastern</a:t>
-            </a:r>
-          </a:p>
-          <a:p>
-            <a:pPr lvl="2"/>
-            <a:r>
-              <a:rPr lang="en-CA" dirty="0"/>
-              <a:t>Details on FHIR-I Confluence page - https://confluence.hl7.org/display/FHIRI</a:t>
-            </a:r>
-          </a:p>
-          <a:p>
-            <a:pPr lvl="1"/>
-            <a:endParaRPr lang="en-CA" dirty="0"/>
+        </p:txBody>
+      </p:sp>
+      <p:sp>
+        <p:nvSpPr>
+          <p:cNvPr id="3" name="Footer Placeholder 2">
+            <a:extLst>
+              <a:ext uri="{FF2B5EF4-FFF2-40B4-BE49-F238E27FC236}">
+                <a16:creationId xmlns:a16="http://schemas.microsoft.com/office/drawing/2014/main" id="{EA882BD0-BB3A-F158-B823-3C2E18DA03CB}"/>
+              </a:ext>
+            </a:extLst>
+          </p:cNvPr>
+          <p:cNvSpPr>
+            <a:spLocks noGrp="1"/>
+          </p:cNvSpPr>
+          <p:nvPr>
+            <p:ph type="ftr" sz="quarter" idx="10"/>
+          </p:nvPr>
+        </p:nvSpPr>
+        <p:spPr/>
+        <p:txBody>
+          <a:bodyPr/>
+          <a:lstStyle/>
+          <a:p>
+            <a:r>
+              <a:rPr lang="en-CA" b="1"/>
+              <a:t>© 2023 Health Level Seven ® International. All Rights Reserved. Published under the Creative Commons 3.0 Attribution Unported license</a:t>
+            </a:r>
+            <a:endParaRPr lang="en-US" b="1" dirty="0"/>
+          </a:p>
+        </p:txBody>
+      </p:sp>
+      <p:sp>
+        <p:nvSpPr>
+          <p:cNvPr id="4" name="Slide Number Placeholder 3">
+            <a:extLst>
+              <a:ext uri="{FF2B5EF4-FFF2-40B4-BE49-F238E27FC236}">
+                <a16:creationId xmlns:a16="http://schemas.microsoft.com/office/drawing/2014/main" id="{EA404A94-4C2F-6F18-6DA4-9A23ECD31C39}"/>
+              </a:ext>
+            </a:extLst>
+          </p:cNvPr>
+          <p:cNvSpPr>
+            <a:spLocks noGrp="1"/>
+          </p:cNvSpPr>
+          <p:nvPr>
+            <p:ph type="sldNum" sz="quarter" idx="11"/>
+          </p:nvPr>
+        </p:nvSpPr>
+        <p:spPr/>
+        <p:txBody>
+          <a:bodyPr/>
+          <a:lstStyle/>
+          <a:p>
+            <a:fld id="{6CACE926-AEF5-4BFE-8BD7-24414108CB7B}" type="slidenum">
+              <a:rPr lang="en-US" altLang="en-US" smtClean="0"/>
+              <a:pPr/>
+              <a:t>26</a:t>
+            </a:fld>
+            <a:endParaRPr lang="en-US" altLang="en-US" dirty="0"/>
           </a:p>
         </p:txBody>
       </p:sp>
     </p:spTree>
     <p:extLst>
       <p:ext uri="{BB962C8B-B14F-4D97-AF65-F5344CB8AC3E}">
-        <p14:creationId xmlns:p14="http://schemas.microsoft.com/office/powerpoint/2010/main" val="4084381913"/>
+        <p14:creationId xmlns:p14="http://schemas.microsoft.com/office/powerpoint/2010/main" val="266912780"/>
       </p:ext>
     </p:extLst>
   </p:cSld>
@@ -19045,10 +19074,10 @@
       </p:grpSpPr>
       <p:sp>
         <p:nvSpPr>
-          <p:cNvPr id="6" name="Title 5">
-            <a:extLst>
-              <a:ext uri="{FF2B5EF4-FFF2-40B4-BE49-F238E27FC236}">
-                <a16:creationId xmlns:a16="http://schemas.microsoft.com/office/drawing/2014/main" id="{155FA919-9EB9-73A4-4391-77E5D9D6A67D}"/>
+          <p:cNvPr id="2" name="Title 1">
+            <a:extLst>
+              <a:ext uri="{FF2B5EF4-FFF2-40B4-BE49-F238E27FC236}">
+                <a16:creationId xmlns:a16="http://schemas.microsoft.com/office/drawing/2014/main" id="{D11B0183-3CAF-767D-34B9-AEB54D0007A6}"/>
               </a:ext>
             </a:extLst>
           </p:cNvPr>
@@ -19066,7 +19095,71 @@
           <a:p>
             <a:r>
               <a:rPr lang="en-US" dirty="0"/>
-              <a:t>Pros and Cons</a:t>
+              <a:t>Combining Requests</a:t>
+            </a:r>
+            <a:endParaRPr lang="en-CA" dirty="0"/>
+          </a:p>
+        </p:txBody>
+      </p:sp>
+      <p:sp>
+        <p:nvSpPr>
+          <p:cNvPr id="3" name="Text Placeholder 2">
+            <a:extLst>
+              <a:ext uri="{FF2B5EF4-FFF2-40B4-BE49-F238E27FC236}">
+                <a16:creationId xmlns:a16="http://schemas.microsoft.com/office/drawing/2014/main" id="{7CC8901A-F379-BDCF-3FEE-332D5FEDF83F}"/>
+              </a:ext>
+            </a:extLst>
+          </p:cNvPr>
+          <p:cNvSpPr>
+            <a:spLocks noGrp="1"/>
+          </p:cNvSpPr>
+          <p:nvPr>
+            <p:ph type="body" sz="quarter" idx="13"/>
+          </p:nvPr>
+        </p:nvSpPr>
+        <p:spPr/>
+        <p:txBody>
+          <a:bodyPr/>
+          <a:lstStyle/>
+          <a:p>
+            <a:r>
+              <a:rPr lang="en-US" dirty="0"/>
+              <a:t>CarePlan</a:t>
+            </a:r>
+          </a:p>
+          <a:p>
+            <a:pPr lvl="1"/>
+            <a:r>
+              <a:rPr lang="en-US" dirty="0"/>
+              <a:t>Extensions to define interdependencies</a:t>
+            </a:r>
+          </a:p>
+          <a:p>
+            <a:pPr lvl="1"/>
+            <a:r>
+              <a:rPr lang="en-US" dirty="0"/>
+              <a:t>One status for the plan, other statuses for referenced children</a:t>
+            </a:r>
+          </a:p>
+          <a:p>
+            <a:pPr lvl="1"/>
+            <a:r>
+              <a:rPr lang="en-US" dirty="0"/>
+              <a:t>Progress tracking of sub-activities</a:t>
+            </a:r>
+          </a:p>
+          <a:p>
+            <a:r>
+              <a:rPr lang="en-US" dirty="0" err="1"/>
+              <a:t>ServiceRequest.orderDetail</a:t>
+            </a:r>
+            <a:endParaRPr lang="en-US" dirty="0"/>
+          </a:p>
+          <a:p>
+            <a:pPr lvl="1"/>
+            <a:r>
+              <a:rPr lang="en-US" dirty="0"/>
+              <a:t>Allows defining device, medication and product components to a larger order</a:t>
             </a:r>
             <a:endParaRPr lang="en-CA" dirty="0"/>
           </a:p>
@@ -19077,7 +19170,7 @@
           <p:cNvPr id="4" name="Footer Placeholder 3">
             <a:extLst>
               <a:ext uri="{FF2B5EF4-FFF2-40B4-BE49-F238E27FC236}">
-                <a16:creationId xmlns:a16="http://schemas.microsoft.com/office/drawing/2014/main" id="{A5C40168-42EE-19C4-E1CE-4D5F2278D5CD}"/>
+                <a16:creationId xmlns:a16="http://schemas.microsoft.com/office/drawing/2014/main" id="{DDE82CB0-9265-FED0-64A5-A52BDEDE720F}"/>
               </a:ext>
             </a:extLst>
           </p:cNvPr>
@@ -19106,7 +19199,7 @@
           <p:cNvPr id="5" name="Slide Number Placeholder 4">
             <a:extLst>
               <a:ext uri="{FF2B5EF4-FFF2-40B4-BE49-F238E27FC236}">
-                <a16:creationId xmlns:a16="http://schemas.microsoft.com/office/drawing/2014/main" id="{EFDB0BE3-6A7B-5B34-F81B-804F7C316FF6}"/>
+                <a16:creationId xmlns:a16="http://schemas.microsoft.com/office/drawing/2014/main" id="{94B0D060-F0AF-E392-A60B-8F1649F8211D}"/>
               </a:ext>
             </a:extLst>
           </p:cNvPr>
@@ -19134,7 +19227,7 @@
     </p:spTree>
     <p:extLst>
       <p:ext uri="{BB962C8B-B14F-4D97-AF65-F5344CB8AC3E}">
-        <p14:creationId xmlns:p14="http://schemas.microsoft.com/office/powerpoint/2010/main" val="3134048117"/>
+        <p14:creationId xmlns:p14="http://schemas.microsoft.com/office/powerpoint/2010/main" val="3736355726"/>
       </p:ext>
     </p:extLst>
   </p:cSld>
@@ -19166,7 +19259,7 @@
           <p:cNvPr id="2" name="Title 1">
             <a:extLst>
               <a:ext uri="{FF2B5EF4-FFF2-40B4-BE49-F238E27FC236}">
-                <a16:creationId xmlns:a16="http://schemas.microsoft.com/office/drawing/2014/main" id="{B4B51B0F-90C8-55F4-972A-B9D201F985D1}"/>
+                <a16:creationId xmlns:a16="http://schemas.microsoft.com/office/drawing/2014/main" id="{F9382A48-0E92-417D-7FED-5D433A23526C}"/>
               </a:ext>
             </a:extLst>
           </p:cNvPr>
@@ -19184,7 +19277,151 @@
           <a:p>
             <a:r>
               <a:rPr lang="en-US" dirty="0"/>
-              <a:t>Option B</a:t>
+              <a:t>There are FHIR pages for this…</a:t>
+            </a:r>
+            <a:endParaRPr lang="en-CA" dirty="0"/>
+          </a:p>
+        </p:txBody>
+      </p:sp>
+      <p:sp>
+        <p:nvSpPr>
+          <p:cNvPr id="3" name="Text Placeholder 2">
+            <a:extLst>
+              <a:ext uri="{FF2B5EF4-FFF2-40B4-BE49-F238E27FC236}">
+                <a16:creationId xmlns:a16="http://schemas.microsoft.com/office/drawing/2014/main" id="{59571550-F4C7-CE82-507A-1F78E5DC04C2}"/>
+              </a:ext>
+            </a:extLst>
+          </p:cNvPr>
+          <p:cNvSpPr>
+            <a:spLocks noGrp="1"/>
+          </p:cNvSpPr>
+          <p:nvPr>
+            <p:ph type="body" sz="quarter" idx="13"/>
+          </p:nvPr>
+        </p:nvSpPr>
+        <p:spPr/>
+        <p:txBody>
+          <a:bodyPr/>
+          <a:lstStyle/>
+          <a:p>
+            <a:r>
+              <a:rPr lang="en-CA" dirty="0">
+                <a:hlinkClick r:id="rId2"/>
+              </a:rPr>
+              <a:t>https://build.fhir.org/workflow-communications.html</a:t>
+            </a:r>
+            <a:endParaRPr lang="en-CA" dirty="0"/>
+          </a:p>
+          <a:p>
+            <a:pPr lvl="1"/>
+            <a:r>
+              <a:rPr lang="en-CA" dirty="0">
+                <a:hlinkClick r:id="rId3"/>
+              </a:rPr>
+              <a:t>https://build.fhir.org/workflow-ad-hoc.html</a:t>
+            </a:r>
+            <a:endParaRPr lang="en-CA" dirty="0"/>
+          </a:p>
+          <a:p>
+            <a:pPr lvl="1"/>
+            <a:r>
+              <a:rPr lang="en-CA" dirty="0">
+                <a:hlinkClick r:id="rId4"/>
+              </a:rPr>
+              <a:t>https://build.fhir.org/workflow-management.html</a:t>
+            </a:r>
+            <a:endParaRPr lang="en-CA" dirty="0"/>
+          </a:p>
+          <a:p>
+            <a:pPr lvl="1"/>
+            <a:endParaRPr lang="en-CA" dirty="0"/>
+          </a:p>
+          <a:p>
+            <a:r>
+              <a:rPr lang="en-CA" dirty="0"/>
+              <a:t>Also: https://chat.fhir.org/#narrow/stream/179196-workflow</a:t>
+            </a:r>
+          </a:p>
+          <a:p>
+            <a:r>
+              <a:rPr lang="en-CA" dirty="0"/>
+              <a:t>Or come join our calls</a:t>
+            </a:r>
+          </a:p>
+          <a:p>
+            <a:pPr lvl="1"/>
+            <a:r>
+              <a:rPr lang="en-CA" dirty="0"/>
+              <a:t>Mondays, 2 Eastern</a:t>
+            </a:r>
+          </a:p>
+          <a:p>
+            <a:pPr lvl="2"/>
+            <a:r>
+              <a:rPr lang="en-CA" dirty="0"/>
+              <a:t>Details on FHIR-I Confluence page - https://confluence.hl7.org/display/FHIRI</a:t>
+            </a:r>
+          </a:p>
+          <a:p>
+            <a:pPr lvl="1"/>
+            <a:endParaRPr lang="en-CA" dirty="0"/>
+          </a:p>
+        </p:txBody>
+      </p:sp>
+    </p:spTree>
+    <p:extLst>
+      <p:ext uri="{BB962C8B-B14F-4D97-AF65-F5344CB8AC3E}">
+        <p14:creationId xmlns:p14="http://schemas.microsoft.com/office/powerpoint/2010/main" val="4084381913"/>
+      </p:ext>
+    </p:extLst>
+  </p:cSld>
+  <p:clrMapOvr>
+    <a:masterClrMapping/>
+  </p:clrMapOvr>
+</p:sld>
+</file>
+
+<file path=ppt/slides/slide29.xml><?xml version="1.0" encoding="utf-8"?>
+<p:sld xmlns:a="http://schemas.openxmlformats.org/drawingml/2006/main" xmlns:r="http://schemas.openxmlformats.org/officeDocument/2006/relationships" xmlns:p="http://schemas.openxmlformats.org/presentationml/2006/main">
+  <p:cSld>
+    <p:spTree>
+      <p:nvGrpSpPr>
+        <p:cNvPr id="1" name=""/>
+        <p:cNvGrpSpPr/>
+        <p:nvPr/>
+      </p:nvGrpSpPr>
+      <p:grpSpPr>
+        <a:xfrm>
+          <a:off x="0" y="0"/>
+          <a:ext cx="0" cy="0"/>
+          <a:chOff x="0" y="0"/>
+          <a:chExt cx="0" cy="0"/>
+        </a:xfrm>
+      </p:grpSpPr>
+      <p:sp>
+        <p:nvSpPr>
+          <p:cNvPr id="6" name="Title 5">
+            <a:extLst>
+              <a:ext uri="{FF2B5EF4-FFF2-40B4-BE49-F238E27FC236}">
+                <a16:creationId xmlns:a16="http://schemas.microsoft.com/office/drawing/2014/main" id="{155FA919-9EB9-73A4-4391-77E5D9D6A67D}"/>
+              </a:ext>
+            </a:extLst>
+          </p:cNvPr>
+          <p:cNvSpPr>
+            <a:spLocks noGrp="1"/>
+          </p:cNvSpPr>
+          <p:nvPr>
+            <p:ph type="title"/>
+          </p:nvPr>
+        </p:nvSpPr>
+        <p:spPr/>
+        <p:txBody>
+          <a:bodyPr/>
+          <a:lstStyle/>
+          <a:p>
+            <a:r>
+              <a:rPr lang="en-US" dirty="0"/>
+              <a:t>Pros and Cons</a:t>
             </a:r>
             <a:endParaRPr lang="en-CA" dirty="0"/>
           </a:p>
@@ -19195,7 +19432,7 @@
           <p:cNvPr id="4" name="Footer Placeholder 3">
             <a:extLst>
               <a:ext uri="{FF2B5EF4-FFF2-40B4-BE49-F238E27FC236}">
-                <a16:creationId xmlns:a16="http://schemas.microsoft.com/office/drawing/2014/main" id="{3954EC33-6943-5484-92BB-F24934835A2C}"/>
+                <a16:creationId xmlns:a16="http://schemas.microsoft.com/office/drawing/2014/main" id="{A5C40168-42EE-19C4-E1CE-4D5F2278D5CD}"/>
               </a:ext>
             </a:extLst>
           </p:cNvPr>
@@ -19224,7 +19461,7 @@
           <p:cNvPr id="5" name="Slide Number Placeholder 4">
             <a:extLst>
               <a:ext uri="{FF2B5EF4-FFF2-40B4-BE49-F238E27FC236}">
-                <a16:creationId xmlns:a16="http://schemas.microsoft.com/office/drawing/2014/main" id="{3A199C17-D33D-D069-6E86-7B2A470D2F3A}"/>
+                <a16:creationId xmlns:a16="http://schemas.microsoft.com/office/drawing/2014/main" id="{EFDB0BE3-6A7B-5B34-F81B-804F7C316FF6}"/>
               </a:ext>
             </a:extLst>
           </p:cNvPr>
@@ -19243,7 +19480,278 @@
             <a:fld id="{6CACE926-AEF5-4BFE-8BD7-24414108CB7B}" type="slidenum">
               <a:rPr lang="en-US" altLang="en-US" smtClean="0"/>
               <a:pPr/>
-              <a:t>28</a:t>
+              <a:t>29</a:t>
+            </a:fld>
+            <a:endParaRPr lang="en-US" altLang="en-US" dirty="0"/>
+          </a:p>
+        </p:txBody>
+      </p:sp>
+    </p:spTree>
+    <p:extLst>
+      <p:ext uri="{BB962C8B-B14F-4D97-AF65-F5344CB8AC3E}">
+        <p14:creationId xmlns:p14="http://schemas.microsoft.com/office/powerpoint/2010/main" val="3134048117"/>
+      </p:ext>
+    </p:extLst>
+  </p:cSld>
+  <p:clrMapOvr>
+    <a:masterClrMapping/>
+  </p:clrMapOvr>
+</p:sld>
+</file>
+
+<file path=ppt/slides/slide3.xml><?xml version="1.0" encoding="utf-8"?>
+<p:sld xmlns:a="http://schemas.openxmlformats.org/drawingml/2006/main" xmlns:r="http://schemas.openxmlformats.org/officeDocument/2006/relationships" xmlns:p="http://schemas.openxmlformats.org/presentationml/2006/main">
+  <p:cSld>
+    <p:spTree>
+      <p:nvGrpSpPr>
+        <p:cNvPr id="1" name=""/>
+        <p:cNvGrpSpPr/>
+        <p:nvPr/>
+      </p:nvGrpSpPr>
+      <p:grpSpPr>
+        <a:xfrm>
+          <a:off x="0" y="0"/>
+          <a:ext cx="0" cy="0"/>
+          <a:chOff x="0" y="0"/>
+          <a:chExt cx="0" cy="0"/>
+        </a:xfrm>
+      </p:grpSpPr>
+      <p:sp>
+        <p:nvSpPr>
+          <p:cNvPr id="2" name="Title 1">
+            <a:extLst>
+              <a:ext uri="{FF2B5EF4-FFF2-40B4-BE49-F238E27FC236}">
+                <a16:creationId xmlns:a16="http://schemas.microsoft.com/office/drawing/2014/main" id="{4F56EC5E-2A29-4E00-A3AD-B934115D2E8B}"/>
+              </a:ext>
+            </a:extLst>
+          </p:cNvPr>
+          <p:cNvSpPr>
+            <a:spLocks noGrp="1"/>
+          </p:cNvSpPr>
+          <p:nvPr>
+            <p:ph type="title"/>
+          </p:nvPr>
+        </p:nvSpPr>
+        <p:spPr/>
+        <p:txBody>
+          <a:bodyPr/>
+          <a:lstStyle/>
+          <a:p>
+            <a:r>
+              <a:rPr lang="en-CA" dirty="0"/>
+              <a:t>Who are you?</a:t>
+            </a:r>
+          </a:p>
+        </p:txBody>
+      </p:sp>
+      <p:sp>
+        <p:nvSpPr>
+          <p:cNvPr id="3" name="Text Placeholder 2">
+            <a:extLst>
+              <a:ext uri="{FF2B5EF4-FFF2-40B4-BE49-F238E27FC236}">
+                <a16:creationId xmlns:a16="http://schemas.microsoft.com/office/drawing/2014/main" id="{0B1938F8-3E95-4633-8D0C-6792802FE72E}"/>
+              </a:ext>
+            </a:extLst>
+          </p:cNvPr>
+          <p:cNvSpPr>
+            <a:spLocks noGrp="1"/>
+          </p:cNvSpPr>
+          <p:nvPr>
+            <p:ph type="body" sz="quarter" idx="13"/>
+          </p:nvPr>
+        </p:nvSpPr>
+        <p:spPr/>
+        <p:txBody>
+          <a:bodyPr/>
+          <a:lstStyle/>
+          <a:p>
+            <a:r>
+              <a:rPr lang="en-CA" dirty="0"/>
+              <a:t>What will make this training most valuable to you?</a:t>
+            </a:r>
+          </a:p>
+        </p:txBody>
+      </p:sp>
+      <p:sp>
+        <p:nvSpPr>
+          <p:cNvPr id="4" name="Footer Placeholder 3">
+            <a:extLst>
+              <a:ext uri="{FF2B5EF4-FFF2-40B4-BE49-F238E27FC236}">
+                <a16:creationId xmlns:a16="http://schemas.microsoft.com/office/drawing/2014/main" id="{13A55A27-ABC5-4523-A93E-C7A09A75E3DB}"/>
+              </a:ext>
+            </a:extLst>
+          </p:cNvPr>
+          <p:cNvSpPr>
+            <a:spLocks noGrp="1"/>
+          </p:cNvSpPr>
+          <p:nvPr>
+            <p:ph type="ftr" sz="quarter" idx="10"/>
+          </p:nvPr>
+        </p:nvSpPr>
+        <p:spPr/>
+        <p:txBody>
+          <a:bodyPr/>
+          <a:lstStyle/>
+          <a:p>
+            <a:r>
+              <a:rPr lang="en-CA" b="1" dirty="0"/>
+              <a:t>© 2023 Health Level Seven ® International. All Rights Reserved. Published under the Creative Commons 3.0 Attribution </a:t>
+            </a:r>
+            <a:r>
+              <a:rPr lang="en-CA" b="1" dirty="0" err="1"/>
+              <a:t>Unported</a:t>
+            </a:r>
+            <a:r>
+              <a:rPr lang="en-CA" b="1" dirty="0"/>
+              <a:t> license</a:t>
+            </a:r>
+            <a:endParaRPr lang="en-US" b="1" dirty="0"/>
+          </a:p>
+        </p:txBody>
+      </p:sp>
+      <p:sp>
+        <p:nvSpPr>
+          <p:cNvPr id="5" name="Slide Number Placeholder 4">
+            <a:extLst>
+              <a:ext uri="{FF2B5EF4-FFF2-40B4-BE49-F238E27FC236}">
+                <a16:creationId xmlns:a16="http://schemas.microsoft.com/office/drawing/2014/main" id="{418594CD-B668-462A-A218-06D8BAAFB767}"/>
+              </a:ext>
+            </a:extLst>
+          </p:cNvPr>
+          <p:cNvSpPr>
+            <a:spLocks noGrp="1"/>
+          </p:cNvSpPr>
+          <p:nvPr>
+            <p:ph type="sldNum" sz="quarter" idx="11"/>
+          </p:nvPr>
+        </p:nvSpPr>
+        <p:spPr/>
+        <p:txBody>
+          <a:bodyPr/>
+          <a:lstStyle/>
+          <a:p>
+            <a:fld id="{6CACE926-AEF5-4BFE-8BD7-24414108CB7B}" type="slidenum">
+              <a:rPr lang="en-US" altLang="en-US" smtClean="0"/>
+              <a:pPr/>
+              <a:t>3</a:t>
+            </a:fld>
+            <a:endParaRPr lang="en-US" altLang="en-US" dirty="0"/>
+          </a:p>
+        </p:txBody>
+      </p:sp>
+    </p:spTree>
+    <p:extLst>
+      <p:ext uri="{BB962C8B-B14F-4D97-AF65-F5344CB8AC3E}">
+        <p14:creationId xmlns:p14="http://schemas.microsoft.com/office/powerpoint/2010/main" val="2693208423"/>
+      </p:ext>
+    </p:extLst>
+  </p:cSld>
+  <p:clrMapOvr>
+    <a:masterClrMapping/>
+  </p:clrMapOvr>
+</p:sld>
+</file>
+
+<file path=ppt/slides/slide30.xml><?xml version="1.0" encoding="utf-8"?>
+<p:sld xmlns:a="http://schemas.openxmlformats.org/drawingml/2006/main" xmlns:r="http://schemas.openxmlformats.org/officeDocument/2006/relationships" xmlns:p="http://schemas.openxmlformats.org/presentationml/2006/main">
+  <p:cSld>
+    <p:spTree>
+      <p:nvGrpSpPr>
+        <p:cNvPr id="1" name=""/>
+        <p:cNvGrpSpPr/>
+        <p:nvPr/>
+      </p:nvGrpSpPr>
+      <p:grpSpPr>
+        <a:xfrm>
+          <a:off x="0" y="0"/>
+          <a:ext cx="0" cy="0"/>
+          <a:chOff x="0" y="0"/>
+          <a:chExt cx="0" cy="0"/>
+        </a:xfrm>
+      </p:grpSpPr>
+      <p:sp>
+        <p:nvSpPr>
+          <p:cNvPr id="2" name="Title 1">
+            <a:extLst>
+              <a:ext uri="{FF2B5EF4-FFF2-40B4-BE49-F238E27FC236}">
+                <a16:creationId xmlns:a16="http://schemas.microsoft.com/office/drawing/2014/main" id="{B4B51B0F-90C8-55F4-972A-B9D201F985D1}"/>
+              </a:ext>
+            </a:extLst>
+          </p:cNvPr>
+          <p:cNvSpPr>
+            <a:spLocks noGrp="1"/>
+          </p:cNvSpPr>
+          <p:nvPr>
+            <p:ph type="title"/>
+          </p:nvPr>
+        </p:nvSpPr>
+        <p:spPr/>
+        <p:txBody>
+          <a:bodyPr/>
+          <a:lstStyle/>
+          <a:p>
+            <a:r>
+              <a:rPr lang="en-US" dirty="0"/>
+              <a:t>Option B</a:t>
+            </a:r>
+            <a:endParaRPr lang="en-CA" dirty="0"/>
+          </a:p>
+        </p:txBody>
+      </p:sp>
+      <p:sp>
+        <p:nvSpPr>
+          <p:cNvPr id="4" name="Footer Placeholder 3">
+            <a:extLst>
+              <a:ext uri="{FF2B5EF4-FFF2-40B4-BE49-F238E27FC236}">
+                <a16:creationId xmlns:a16="http://schemas.microsoft.com/office/drawing/2014/main" id="{3954EC33-6943-5484-92BB-F24934835A2C}"/>
+              </a:ext>
+            </a:extLst>
+          </p:cNvPr>
+          <p:cNvSpPr>
+            <a:spLocks noGrp="1"/>
+          </p:cNvSpPr>
+          <p:nvPr>
+            <p:ph type="ftr" sz="quarter" idx="10"/>
+          </p:nvPr>
+        </p:nvSpPr>
+        <p:spPr/>
+        <p:txBody>
+          <a:bodyPr/>
+          <a:lstStyle/>
+          <a:p>
+            <a:r>
+              <a:rPr lang="en-CA" b="1"/>
+              <a:t>© 2023 Health Level Seven ® International. All Rights Reserved. Published under the Creative Commons 3.0 Attribution Unported license</a:t>
+            </a:r>
+            <a:endParaRPr lang="en-US" b="1" dirty="0"/>
+          </a:p>
+        </p:txBody>
+      </p:sp>
+      <p:sp>
+        <p:nvSpPr>
+          <p:cNvPr id="5" name="Slide Number Placeholder 4">
+            <a:extLst>
+              <a:ext uri="{FF2B5EF4-FFF2-40B4-BE49-F238E27FC236}">
+                <a16:creationId xmlns:a16="http://schemas.microsoft.com/office/drawing/2014/main" id="{3A199C17-D33D-D069-6E86-7B2A470D2F3A}"/>
+              </a:ext>
+            </a:extLst>
+          </p:cNvPr>
+          <p:cNvSpPr>
+            <a:spLocks noGrp="1"/>
+          </p:cNvSpPr>
+          <p:nvPr>
+            <p:ph type="sldNum" sz="quarter" idx="11"/>
+          </p:nvPr>
+        </p:nvSpPr>
+        <p:spPr/>
+        <p:txBody>
+          <a:bodyPr/>
+          <a:lstStyle/>
+          <a:p>
+            <a:fld id="{6CACE926-AEF5-4BFE-8BD7-24414108CB7B}" type="slidenum">
+              <a:rPr lang="en-US" altLang="en-US" smtClean="0"/>
+              <a:pPr/>
+              <a:t>30</a:t>
             </a:fld>
             <a:endParaRPr lang="en-US" altLang="en-US" dirty="0"/>
           </a:p>
@@ -19309,7 +19817,7 @@
 </p:sld>
 </file>
 
-<file path=ppt/slides/slide29.xml><?xml version="1.0" encoding="utf-8"?>
+<file path=ppt/slides/slide31.xml><?xml version="1.0" encoding="utf-8"?>
 <p:sld xmlns:a="http://schemas.openxmlformats.org/drawingml/2006/main" xmlns:r="http://schemas.openxmlformats.org/officeDocument/2006/relationships" xmlns:p="http://schemas.openxmlformats.org/presentationml/2006/main">
   <p:cSld>
     <p:spTree>
@@ -19408,7 +19916,7 @@
             <a:fld id="{6CACE926-AEF5-4BFE-8BD7-24414108CB7B}" type="slidenum">
               <a:rPr lang="en-US" altLang="en-US" smtClean="0"/>
               <a:pPr/>
-              <a:t>29</a:t>
+              <a:t>31</a:t>
             </a:fld>
             <a:endParaRPr lang="en-US" altLang="en-US" dirty="0"/>
           </a:p>
@@ -19474,7 +19982,7 @@
 </p:sld>
 </file>
 
-<file path=ppt/slides/slide3.xml><?xml version="1.0" encoding="utf-8"?>
+<file path=ppt/slides/slide32.xml><?xml version="1.0" encoding="utf-8"?>
 <p:sld xmlns:a="http://schemas.openxmlformats.org/drawingml/2006/main" xmlns:r="http://schemas.openxmlformats.org/officeDocument/2006/relationships" xmlns:p="http://schemas.openxmlformats.org/presentationml/2006/main">
   <p:cSld>
     <p:spTree>
@@ -19496,7 +20004,7 @@
           <p:cNvPr id="2" name="Title 1">
             <a:extLst>
               <a:ext uri="{FF2B5EF4-FFF2-40B4-BE49-F238E27FC236}">
-                <a16:creationId xmlns:a16="http://schemas.microsoft.com/office/drawing/2014/main" id="{4F56EC5E-2A29-4E00-A3AD-B934115D2E8B}"/>
+                <a16:creationId xmlns:a16="http://schemas.microsoft.com/office/drawing/2014/main" id="{AB7ECF7A-BA10-A408-E515-3C6FBD5DFE1A}"/>
               </a:ext>
             </a:extLst>
           </p:cNvPr>
@@ -19513,46 +20021,19 @@
           <a:lstStyle/>
           <a:p>
             <a:r>
-              <a:rPr lang="en-CA" dirty="0"/>
-              <a:t>Who are you?</a:t>
-            </a:r>
+              <a:rPr lang="en-US" dirty="0"/>
+              <a:t>Option F</a:t>
+            </a:r>
+            <a:endParaRPr lang="en-CA" dirty="0"/>
           </a:p>
         </p:txBody>
       </p:sp>
       <p:sp>
         <p:nvSpPr>
-          <p:cNvPr id="3" name="Text Placeholder 2">
-            <a:extLst>
-              <a:ext uri="{FF2B5EF4-FFF2-40B4-BE49-F238E27FC236}">
-                <a16:creationId xmlns:a16="http://schemas.microsoft.com/office/drawing/2014/main" id="{0B1938F8-3E95-4633-8D0C-6792802FE72E}"/>
-              </a:ext>
-            </a:extLst>
-          </p:cNvPr>
-          <p:cNvSpPr>
-            <a:spLocks noGrp="1"/>
-          </p:cNvSpPr>
-          <p:nvPr>
-            <p:ph type="body" sz="quarter" idx="13"/>
-          </p:nvPr>
-        </p:nvSpPr>
-        <p:spPr/>
-        <p:txBody>
-          <a:bodyPr/>
-          <a:lstStyle/>
-          <a:p>
-            <a:r>
-              <a:rPr lang="en-CA" dirty="0"/>
-              <a:t>What will make this training most valuable to you?</a:t>
-            </a:r>
-          </a:p>
-        </p:txBody>
-      </p:sp>
-      <p:sp>
-        <p:nvSpPr>
-          <p:cNvPr id="4" name="Footer Placeholder 3">
-            <a:extLst>
-              <a:ext uri="{FF2B5EF4-FFF2-40B4-BE49-F238E27FC236}">
-                <a16:creationId xmlns:a16="http://schemas.microsoft.com/office/drawing/2014/main" id="{13A55A27-ABC5-4523-A93E-C7A09A75E3DB}"/>
+          <p:cNvPr id="3" name="Footer Placeholder 2">
+            <a:extLst>
+              <a:ext uri="{FF2B5EF4-FFF2-40B4-BE49-F238E27FC236}">
+                <a16:creationId xmlns:a16="http://schemas.microsoft.com/office/drawing/2014/main" id="{E8331F04-90EF-7BAE-F90C-B4CE52A369E9}"/>
               </a:ext>
             </a:extLst>
           </p:cNvPr>
@@ -19569,16 +20050,8 @@
           <a:lstStyle/>
           <a:p>
             <a:r>
-              <a:rPr lang="en-CA" b="1" dirty="0"/>
-              <a:t>© 2023 Health Level Seven ® International. All Rights Reserved. Published under the Creative Commons 3.0 Attribution </a:t>
-            </a:r>
-            <a:r>
-              <a:rPr lang="en-CA" b="1" dirty="0" err="1"/>
-              <a:t>Unported</a:t>
-            </a:r>
-            <a:r>
-              <a:rPr lang="en-CA" b="1" dirty="0"/>
-              <a:t> license</a:t>
+              <a:rPr lang="en-CA" b="1"/>
+              <a:t>© 2023 Health Level Seven ® International. All Rights Reserved. Published under the Creative Commons 3.0 Attribution Unported license</a:t>
             </a:r>
             <a:endParaRPr lang="en-US" b="1" dirty="0"/>
           </a:p>
@@ -19586,10 +20059,10 @@
       </p:sp>
       <p:sp>
         <p:nvSpPr>
-          <p:cNvPr id="5" name="Slide Number Placeholder 4">
-            <a:extLst>
-              <a:ext uri="{FF2B5EF4-FFF2-40B4-BE49-F238E27FC236}">
-                <a16:creationId xmlns:a16="http://schemas.microsoft.com/office/drawing/2014/main" id="{418594CD-B668-462A-A218-06D8BAAFB767}"/>
+          <p:cNvPr id="4" name="Slide Number Placeholder 3">
+            <a:extLst>
+              <a:ext uri="{FF2B5EF4-FFF2-40B4-BE49-F238E27FC236}">
+                <a16:creationId xmlns:a16="http://schemas.microsoft.com/office/drawing/2014/main" id="{60077C7C-2283-4A56-CF1A-2F3F82781339}"/>
               </a:ext>
             </a:extLst>
           </p:cNvPr>
@@ -19608,125 +20081,7 @@
             <a:fld id="{6CACE926-AEF5-4BFE-8BD7-24414108CB7B}" type="slidenum">
               <a:rPr lang="en-US" altLang="en-US" smtClean="0"/>
               <a:pPr/>
-              <a:t>3</a:t>
-            </a:fld>
-            <a:endParaRPr lang="en-US" altLang="en-US" dirty="0"/>
-          </a:p>
-        </p:txBody>
-      </p:sp>
-    </p:spTree>
-    <p:extLst>
-      <p:ext uri="{BB962C8B-B14F-4D97-AF65-F5344CB8AC3E}">
-        <p14:creationId xmlns:p14="http://schemas.microsoft.com/office/powerpoint/2010/main" val="2693208423"/>
-      </p:ext>
-    </p:extLst>
-  </p:cSld>
-  <p:clrMapOvr>
-    <a:masterClrMapping/>
-  </p:clrMapOvr>
-</p:sld>
-</file>
-
-<file path=ppt/slides/slide30.xml><?xml version="1.0" encoding="utf-8"?>
-<p:sld xmlns:a="http://schemas.openxmlformats.org/drawingml/2006/main" xmlns:r="http://schemas.openxmlformats.org/officeDocument/2006/relationships" xmlns:p="http://schemas.openxmlformats.org/presentationml/2006/main">
-  <p:cSld>
-    <p:spTree>
-      <p:nvGrpSpPr>
-        <p:cNvPr id="1" name=""/>
-        <p:cNvGrpSpPr/>
-        <p:nvPr/>
-      </p:nvGrpSpPr>
-      <p:grpSpPr>
-        <a:xfrm>
-          <a:off x="0" y="0"/>
-          <a:ext cx="0" cy="0"/>
-          <a:chOff x="0" y="0"/>
-          <a:chExt cx="0" cy="0"/>
-        </a:xfrm>
-      </p:grpSpPr>
-      <p:sp>
-        <p:nvSpPr>
-          <p:cNvPr id="2" name="Title 1">
-            <a:extLst>
-              <a:ext uri="{FF2B5EF4-FFF2-40B4-BE49-F238E27FC236}">
-                <a16:creationId xmlns:a16="http://schemas.microsoft.com/office/drawing/2014/main" id="{AB7ECF7A-BA10-A408-E515-3C6FBD5DFE1A}"/>
-              </a:ext>
-            </a:extLst>
-          </p:cNvPr>
-          <p:cNvSpPr>
-            <a:spLocks noGrp="1"/>
-          </p:cNvSpPr>
-          <p:nvPr>
-            <p:ph type="title"/>
-          </p:nvPr>
-        </p:nvSpPr>
-        <p:spPr/>
-        <p:txBody>
-          <a:bodyPr/>
-          <a:lstStyle/>
-          <a:p>
-            <a:r>
-              <a:rPr lang="en-US" dirty="0"/>
-              <a:t>Option F</a:t>
-            </a:r>
-            <a:endParaRPr lang="en-CA" dirty="0"/>
-          </a:p>
-        </p:txBody>
-      </p:sp>
-      <p:sp>
-        <p:nvSpPr>
-          <p:cNvPr id="3" name="Footer Placeholder 2">
-            <a:extLst>
-              <a:ext uri="{FF2B5EF4-FFF2-40B4-BE49-F238E27FC236}">
-                <a16:creationId xmlns:a16="http://schemas.microsoft.com/office/drawing/2014/main" id="{E8331F04-90EF-7BAE-F90C-B4CE52A369E9}"/>
-              </a:ext>
-            </a:extLst>
-          </p:cNvPr>
-          <p:cNvSpPr>
-            <a:spLocks noGrp="1"/>
-          </p:cNvSpPr>
-          <p:nvPr>
-            <p:ph type="ftr" sz="quarter" idx="10"/>
-          </p:nvPr>
-        </p:nvSpPr>
-        <p:spPr/>
-        <p:txBody>
-          <a:bodyPr/>
-          <a:lstStyle/>
-          <a:p>
-            <a:r>
-              <a:rPr lang="en-CA" b="1"/>
-              <a:t>© 2023 Health Level Seven ® International. All Rights Reserved. Published under the Creative Commons 3.0 Attribution Unported license</a:t>
-            </a:r>
-            <a:endParaRPr lang="en-US" b="1" dirty="0"/>
-          </a:p>
-        </p:txBody>
-      </p:sp>
-      <p:sp>
-        <p:nvSpPr>
-          <p:cNvPr id="4" name="Slide Number Placeholder 3">
-            <a:extLst>
-              <a:ext uri="{FF2B5EF4-FFF2-40B4-BE49-F238E27FC236}">
-                <a16:creationId xmlns:a16="http://schemas.microsoft.com/office/drawing/2014/main" id="{60077C7C-2283-4A56-CF1A-2F3F82781339}"/>
-              </a:ext>
-            </a:extLst>
-          </p:cNvPr>
-          <p:cNvSpPr>
-            <a:spLocks noGrp="1"/>
-          </p:cNvSpPr>
-          <p:nvPr>
-            <p:ph type="sldNum" sz="quarter" idx="11"/>
-          </p:nvPr>
-        </p:nvSpPr>
-        <p:spPr/>
-        <p:txBody>
-          <a:bodyPr/>
-          <a:lstStyle/>
-          <a:p>
-            <a:fld id="{6CACE926-AEF5-4BFE-8BD7-24414108CB7B}" type="slidenum">
-              <a:rPr lang="en-US" altLang="en-US" smtClean="0"/>
-              <a:pPr/>
-              <a:t>30</a:t>
+              <a:t>32</a:t>
             </a:fld>
             <a:endParaRPr lang="en-US" altLang="en-US" dirty="0"/>
           </a:p>
@@ -19792,7 +20147,7 @@
 </p:sld>
 </file>
 
-<file path=ppt/slides/slide31.xml><?xml version="1.0" encoding="utf-8"?>
+<file path=ppt/slides/slide33.xml><?xml version="1.0" encoding="utf-8"?>
 <p:sld xmlns:a="http://schemas.openxmlformats.org/drawingml/2006/main" xmlns:r="http://schemas.openxmlformats.org/officeDocument/2006/relationships" xmlns:p="http://schemas.openxmlformats.org/presentationml/2006/main">
   <p:cSld>
     <p:spTree>
@@ -19891,7 +20246,7 @@
             <a:fld id="{6CACE926-AEF5-4BFE-8BD7-24414108CB7B}" type="slidenum">
               <a:rPr lang="en-US" altLang="en-US" smtClean="0"/>
               <a:pPr/>
-              <a:t>31</a:t>
+              <a:t>33</a:t>
             </a:fld>
             <a:endParaRPr lang="en-US" altLang="en-US" dirty="0"/>
           </a:p>
@@ -19957,7 +20312,7 @@
 </p:sld>
 </file>
 
-<file path=ppt/slides/slide32.xml><?xml version="1.0" encoding="utf-8"?>
+<file path=ppt/slides/slide34.xml><?xml version="1.0" encoding="utf-8"?>
 <p:sld xmlns:a="http://schemas.openxmlformats.org/drawingml/2006/main" xmlns:r="http://schemas.openxmlformats.org/officeDocument/2006/relationships" xmlns:p="http://schemas.openxmlformats.org/presentationml/2006/main">
   <p:cSld>
     <p:spTree>
@@ -20080,7 +20435,7 @@
 </p:sld>
 </file>
 
-<file path=ppt/slides/slide33.xml><?xml version="1.0" encoding="utf-8"?>
+<file path=ppt/slides/slide35.xml><?xml version="1.0" encoding="utf-8"?>
 <p:sld xmlns:a="http://schemas.openxmlformats.org/drawingml/2006/main" xmlns:r="http://schemas.openxmlformats.org/officeDocument/2006/relationships" xmlns:p="http://schemas.openxmlformats.org/presentationml/2006/main">
   <p:cSld>
     <p:spTree>
@@ -20454,7 +20809,13 @@
               <a:rPr lang="en-CA" dirty="0">
                 <a:hlinkClick r:id="rId2"/>
               </a:rPr>
-              <a:t>https://github.com/FHIR/documents/tree/master/presentations/2023-12%20Tutorials</a:t>
+              <a:t>https://github.com/FHIR/documents/tree/master/presentations</a:t>
+            </a:r>
+            <a:r>
+              <a:rPr lang="en-CA">
+                <a:hlinkClick r:id="rId2"/>
+              </a:rPr>
+              <a:t>/2023-12%20Webinars</a:t>
             </a:r>
             <a:endParaRPr lang="en-CA" dirty="0"/>
           </a:p>
